--- a/project.pptx
+++ b/project.pptx
@@ -206,7 +206,7 @@
           <a:p>
             <a:fld id="{4A52C4BC-9F15-4AFA-ADA2-B77C47F8CBD0}" type="datetimeFigureOut">
               <a:rPr lang="en-GB" smtClean="0"/>
-              <a:t>11/12/2021</a:t>
+              <a:t>12/12/2021</a:t>
             </a:fld>
             <a:endParaRPr lang="en-GB" dirty="0"/>
           </a:p>
@@ -1617,7 +1617,7 @@
           <a:p>
             <a:fld id="{88900FDD-6448-4063-ADF4-752F357AF537}" type="datetimeFigureOut">
               <a:rPr lang="en-GB" smtClean="0"/>
-              <a:t>11/12/2021</a:t>
+              <a:t>12/12/2021</a:t>
             </a:fld>
             <a:endParaRPr lang="en-GB" dirty="0"/>
           </a:p>
@@ -1787,7 +1787,7 @@
           <a:p>
             <a:fld id="{88900FDD-6448-4063-ADF4-752F357AF537}" type="datetimeFigureOut">
               <a:rPr lang="en-GB" smtClean="0"/>
-              <a:t>11/12/2021</a:t>
+              <a:t>12/12/2021</a:t>
             </a:fld>
             <a:endParaRPr lang="en-GB" dirty="0"/>
           </a:p>
@@ -1967,7 +1967,7 @@
           <a:p>
             <a:fld id="{88900FDD-6448-4063-ADF4-752F357AF537}" type="datetimeFigureOut">
               <a:rPr lang="en-GB" smtClean="0"/>
-              <a:t>11/12/2021</a:t>
+              <a:t>12/12/2021</a:t>
             </a:fld>
             <a:endParaRPr lang="en-GB" dirty="0"/>
           </a:p>
@@ -2137,7 +2137,7 @@
           <a:p>
             <a:fld id="{88900FDD-6448-4063-ADF4-752F357AF537}" type="datetimeFigureOut">
               <a:rPr lang="en-GB" smtClean="0"/>
-              <a:t>11/12/2021</a:t>
+              <a:t>12/12/2021</a:t>
             </a:fld>
             <a:endParaRPr lang="en-GB" dirty="0"/>
           </a:p>
@@ -2383,7 +2383,7 @@
           <a:p>
             <a:fld id="{88900FDD-6448-4063-ADF4-752F357AF537}" type="datetimeFigureOut">
               <a:rPr lang="en-GB" smtClean="0"/>
-              <a:t>11/12/2021</a:t>
+              <a:t>12/12/2021</a:t>
             </a:fld>
             <a:endParaRPr lang="en-GB" dirty="0"/>
           </a:p>
@@ -2615,7 +2615,7 @@
           <a:p>
             <a:fld id="{88900FDD-6448-4063-ADF4-752F357AF537}" type="datetimeFigureOut">
               <a:rPr lang="en-GB" smtClean="0"/>
-              <a:t>11/12/2021</a:t>
+              <a:t>12/12/2021</a:t>
             </a:fld>
             <a:endParaRPr lang="en-GB" dirty="0"/>
           </a:p>
@@ -2982,7 +2982,7 @@
           <a:p>
             <a:fld id="{88900FDD-6448-4063-ADF4-752F357AF537}" type="datetimeFigureOut">
               <a:rPr lang="en-GB" smtClean="0"/>
-              <a:t>11/12/2021</a:t>
+              <a:t>12/12/2021</a:t>
             </a:fld>
             <a:endParaRPr lang="en-GB" dirty="0"/>
           </a:p>
@@ -3100,7 +3100,7 @@
           <a:p>
             <a:fld id="{88900FDD-6448-4063-ADF4-752F357AF537}" type="datetimeFigureOut">
               <a:rPr lang="en-GB" smtClean="0"/>
-              <a:t>11/12/2021</a:t>
+              <a:t>12/12/2021</a:t>
             </a:fld>
             <a:endParaRPr lang="en-GB" dirty="0"/>
           </a:p>
@@ -3195,7 +3195,7 @@
           <a:p>
             <a:fld id="{88900FDD-6448-4063-ADF4-752F357AF537}" type="datetimeFigureOut">
               <a:rPr lang="en-GB" smtClean="0"/>
-              <a:t>11/12/2021</a:t>
+              <a:t>12/12/2021</a:t>
             </a:fld>
             <a:endParaRPr lang="en-GB" dirty="0"/>
           </a:p>
@@ -3472,7 +3472,7 @@
           <a:p>
             <a:fld id="{88900FDD-6448-4063-ADF4-752F357AF537}" type="datetimeFigureOut">
               <a:rPr lang="en-GB" smtClean="0"/>
-              <a:t>11/12/2021</a:t>
+              <a:t>12/12/2021</a:t>
             </a:fld>
             <a:endParaRPr lang="en-GB" dirty="0"/>
           </a:p>
@@ -3725,7 +3725,7 @@
           <a:p>
             <a:fld id="{88900FDD-6448-4063-ADF4-752F357AF537}" type="datetimeFigureOut">
               <a:rPr lang="en-GB" smtClean="0"/>
-              <a:t>11/12/2021</a:t>
+              <a:t>12/12/2021</a:t>
             </a:fld>
             <a:endParaRPr lang="en-GB" dirty="0"/>
           </a:p>
@@ -3938,7 +3938,7 @@
           <a:p>
             <a:fld id="{88900FDD-6448-4063-ADF4-752F357AF537}" type="datetimeFigureOut">
               <a:rPr lang="en-GB" smtClean="0"/>
-              <a:t>11/12/2021</a:t>
+              <a:t>12/12/2021</a:t>
             </a:fld>
             <a:endParaRPr lang="en-GB" dirty="0"/>
           </a:p>
@@ -5559,10 +5559,10 @@
       </p:pic>
       <p:pic>
         <p:nvPicPr>
-          <p:cNvPr id="1026" name="Picture 2">
+          <p:cNvPr id="3" name="Picture 2">
             <a:extLst>
               <a:ext uri="{FF2B5EF4-FFF2-40B4-BE49-F238E27FC236}">
-                <a16:creationId xmlns:a16="http://schemas.microsoft.com/office/drawing/2014/main" id="{E90DE690-357F-4FA5-8BD1-EC4AFF351158}"/>
+                <a16:creationId xmlns:a16="http://schemas.microsoft.com/office/drawing/2014/main" id="{3D672967-D5D0-2347-B54B-76D588EAA9B1}"/>
               </a:ext>
             </a:extLst>
           </p:cNvPr>
@@ -5571,7 +5571,7 @@
           </p:cNvPicPr>
           <p:nvPr/>
         </p:nvPicPr>
-        <p:blipFill rotWithShape="1">
+        <p:blipFill>
           <a:blip r:embed="rId4">
             <a:extLst>
               <a:ext uri="{28A0092B-C50C-407E-A947-70E740481C1C}">
@@ -5579,13 +5579,15 @@
               </a:ext>
             </a:extLst>
           </a:blip>
-          <a:srcRect l="12180" t="1931" r="5448" b="8266"/>
-          <a:stretch/>
+          <a:srcRect/>
+          <a:stretch>
+            <a:fillRect/>
+          </a:stretch>
         </p:blipFill>
         <p:spPr bwMode="auto">
           <a:xfrm>
-            <a:off x="5365058" y="248917"/>
-            <a:ext cx="6512201" cy="6360165"/>
+            <a:off x="5219142" y="86139"/>
+            <a:ext cx="6865246" cy="6685722"/>
           </a:xfrm>
           <a:prstGeom prst="rect">
             <a:avLst/>
@@ -5740,12 +5742,116 @@
           </a:prstGeom>
         </p:spPr>
       </p:pic>
+      <p:sp>
+        <p:nvSpPr>
+          <p:cNvPr id="6" name="TextBox 5">
+            <a:extLst>
+              <a:ext uri="{FF2B5EF4-FFF2-40B4-BE49-F238E27FC236}">
+                <a16:creationId xmlns:a16="http://schemas.microsoft.com/office/drawing/2014/main" id="{16EF7216-5A50-4A7C-99CC-8EB6CB60C2C8}"/>
+              </a:ext>
+            </a:extLst>
+          </p:cNvPr>
+          <p:cNvSpPr txBox="1"/>
+          <p:nvPr/>
+        </p:nvSpPr>
+        <p:spPr>
+          <a:xfrm>
+            <a:off x="314741" y="3601140"/>
+            <a:ext cx="9753600" cy="2539157"/>
+          </a:xfrm>
+          <a:prstGeom prst="rect">
+            <a:avLst/>
+          </a:prstGeom>
+          <a:noFill/>
+        </p:spPr>
+        <p:txBody>
+          <a:bodyPr wrap="square" rtlCol="0">
+            <a:spAutoFit/>
+          </a:bodyPr>
+          <a:lstStyle/>
+          <a:p>
+            <a:pPr marL="457200" indent="-457200">
+              <a:buFont typeface="Wingdings" panose="05000000000000000000" pitchFamily="2" charset="2"/>
+              <a:buChar char="ü"/>
+            </a:pPr>
+            <a:r>
+              <a:rPr lang="en-GB" sz="2500" dirty="0">
+                <a:solidFill>
+                  <a:schemeClr val="bg1"/>
+                </a:solidFill>
+              </a:rPr>
+              <a:t>Product - produces - transaction</a:t>
+            </a:r>
+          </a:p>
+          <a:p>
+            <a:pPr marL="457200" indent="-457200">
+              <a:buFont typeface="Wingdings" panose="05000000000000000000" pitchFamily="2" charset="2"/>
+              <a:buChar char="ü"/>
+            </a:pPr>
+            <a:r>
+              <a:rPr lang="en-GB" sz="2500" dirty="0">
+                <a:solidFill>
+                  <a:schemeClr val="bg1"/>
+                </a:solidFill>
+              </a:rPr>
+              <a:t>Inventory - Manage</a:t>
+            </a:r>
+          </a:p>
+          <a:p>
+            <a:pPr marL="457200" indent="-457200">
+              <a:buFont typeface="Wingdings" panose="05000000000000000000" pitchFamily="2" charset="2"/>
+              <a:buChar char="ü"/>
+            </a:pPr>
+            <a:r>
+              <a:rPr lang="en-GB" sz="2500" dirty="0">
+                <a:solidFill>
+                  <a:schemeClr val="bg1"/>
+                </a:solidFill>
+              </a:rPr>
+              <a:t>Stock - Product</a:t>
+            </a:r>
+          </a:p>
+          <a:p>
+            <a:pPr marL="457200" indent="-457200">
+              <a:buFont typeface="Wingdings" panose="05000000000000000000" pitchFamily="2" charset="2"/>
+              <a:buChar char="ü"/>
+            </a:pPr>
+            <a:endParaRPr lang="en-GB" sz="2800" dirty="0">
+              <a:solidFill>
+                <a:schemeClr val="bg1"/>
+              </a:solidFill>
+            </a:endParaRPr>
+          </a:p>
+          <a:p>
+            <a:pPr marL="457200" indent="-457200">
+              <a:buFont typeface="Wingdings" panose="05000000000000000000" pitchFamily="2" charset="2"/>
+              <a:buChar char="ü"/>
+            </a:pPr>
+            <a:endParaRPr lang="en-GB" sz="2800" dirty="0">
+              <a:solidFill>
+                <a:schemeClr val="bg1"/>
+              </a:solidFill>
+            </a:endParaRPr>
+          </a:p>
+          <a:p>
+            <a:pPr marL="457200" indent="-457200">
+              <a:buFont typeface="Wingdings" panose="05000000000000000000" pitchFamily="2" charset="2"/>
+              <a:buChar char="ü"/>
+            </a:pPr>
+            <a:endParaRPr lang="en-GB" sz="2800" dirty="0">
+              <a:solidFill>
+                <a:schemeClr val="bg1"/>
+              </a:solidFill>
+            </a:endParaRPr>
+          </a:p>
+        </p:txBody>
+      </p:sp>
       <p:pic>
         <p:nvPicPr>
-          <p:cNvPr id="1026" name="Picture 2">
+          <p:cNvPr id="7" name="Picture 6">
             <a:extLst>
               <a:ext uri="{FF2B5EF4-FFF2-40B4-BE49-F238E27FC236}">
-                <a16:creationId xmlns:a16="http://schemas.microsoft.com/office/drawing/2014/main" id="{E90DE690-357F-4FA5-8BD1-EC4AFF351158}"/>
+                <a16:creationId xmlns:a16="http://schemas.microsoft.com/office/drawing/2014/main" id="{2DC343C7-D466-5B40-ACEB-F01CC06D698E}"/>
               </a:ext>
             </a:extLst>
           </p:cNvPr>
@@ -5754,7 +5860,7 @@
           </p:cNvPicPr>
           <p:nvPr/>
         </p:nvPicPr>
-        <p:blipFill rotWithShape="1">
+        <p:blipFill>
           <a:blip r:embed="rId4">
             <a:extLst>
               <a:ext uri="{28A0092B-C50C-407E-A947-70E740481C1C}">
@@ -5762,13 +5868,15 @@
               </a:ext>
             </a:extLst>
           </a:blip>
-          <a:srcRect l="12180" t="1931" r="5448" b="8266"/>
-          <a:stretch/>
+          <a:srcRect/>
+          <a:stretch>
+            <a:fillRect/>
+          </a:stretch>
         </p:blipFill>
         <p:spPr bwMode="auto">
           <a:xfrm>
-            <a:off x="5434631" y="248917"/>
-            <a:ext cx="6512201" cy="6360165"/>
+            <a:off x="5219142" y="86139"/>
+            <a:ext cx="6865246" cy="6685722"/>
           </a:xfrm>
           <a:prstGeom prst="rect">
             <a:avLst/>
@@ -5785,110 +5893,6 @@
           </a:extLst>
         </p:spPr>
       </p:pic>
-      <p:sp>
-        <p:nvSpPr>
-          <p:cNvPr id="6" name="TextBox 5">
-            <a:extLst>
-              <a:ext uri="{FF2B5EF4-FFF2-40B4-BE49-F238E27FC236}">
-                <a16:creationId xmlns:a16="http://schemas.microsoft.com/office/drawing/2014/main" id="{16EF7216-5A50-4A7C-99CC-8EB6CB60C2C8}"/>
-              </a:ext>
-            </a:extLst>
-          </p:cNvPr>
-          <p:cNvSpPr txBox="1"/>
-          <p:nvPr/>
-        </p:nvSpPr>
-        <p:spPr>
-          <a:xfrm>
-            <a:off x="314741" y="3601140"/>
-            <a:ext cx="9753600" cy="2539157"/>
-          </a:xfrm>
-          <a:prstGeom prst="rect">
-            <a:avLst/>
-          </a:prstGeom>
-          <a:noFill/>
-        </p:spPr>
-        <p:txBody>
-          <a:bodyPr wrap="square" rtlCol="0">
-            <a:spAutoFit/>
-          </a:bodyPr>
-          <a:lstStyle/>
-          <a:p>
-            <a:pPr marL="457200" indent="-457200">
-              <a:buFont typeface="Wingdings" panose="05000000000000000000" pitchFamily="2" charset="2"/>
-              <a:buChar char="ü"/>
-            </a:pPr>
-            <a:r>
-              <a:rPr lang="en-GB" sz="2500" dirty="0">
-                <a:solidFill>
-                  <a:schemeClr val="bg1"/>
-                </a:solidFill>
-              </a:rPr>
-              <a:t>Product - produces - transaction</a:t>
-            </a:r>
-          </a:p>
-          <a:p>
-            <a:pPr marL="457200" indent="-457200">
-              <a:buFont typeface="Wingdings" panose="05000000000000000000" pitchFamily="2" charset="2"/>
-              <a:buChar char="ü"/>
-            </a:pPr>
-            <a:r>
-              <a:rPr lang="en-GB" sz="2500" dirty="0">
-                <a:solidFill>
-                  <a:schemeClr val="bg1"/>
-                </a:solidFill>
-              </a:rPr>
-              <a:t>Inventory - Manage</a:t>
-            </a:r>
-          </a:p>
-          <a:p>
-            <a:pPr marL="457200" indent="-457200">
-              <a:buFont typeface="Wingdings" panose="05000000000000000000" pitchFamily="2" charset="2"/>
-              <a:buChar char="ü"/>
-            </a:pPr>
-            <a:r>
-              <a:rPr lang="en-GB" sz="2500" dirty="0">
-                <a:solidFill>
-                  <a:schemeClr val="bg1"/>
-                </a:solidFill>
-              </a:rPr>
-              <a:t>Stock - Product</a:t>
-            </a:r>
-          </a:p>
-          <a:p>
-            <a:pPr marL="457200" indent="-457200">
-              <a:buFont typeface="Wingdings" panose="05000000000000000000" pitchFamily="2" charset="2"/>
-              <a:buChar char="ü"/>
-            </a:pPr>
-            <a:endParaRPr lang="en-GB" sz="2800" dirty="0">
-              <a:solidFill>
-                <a:schemeClr val="bg1"/>
-              </a:solidFill>
-            </a:endParaRPr>
-          </a:p>
-          <a:p>
-            <a:pPr marL="457200" indent="-457200">
-              <a:buFont typeface="Wingdings" panose="05000000000000000000" pitchFamily="2" charset="2"/>
-              <a:buChar char="ü"/>
-            </a:pPr>
-            <a:endParaRPr lang="en-GB" sz="2800" dirty="0">
-              <a:solidFill>
-                <a:schemeClr val="bg1"/>
-              </a:solidFill>
-            </a:endParaRPr>
-          </a:p>
-          <a:p>
-            <a:pPr marL="457200" indent="-457200">
-              <a:buFont typeface="Wingdings" panose="05000000000000000000" pitchFamily="2" charset="2"/>
-              <a:buChar char="ü"/>
-            </a:pPr>
-            <a:endParaRPr lang="en-GB" sz="2800" dirty="0">
-              <a:solidFill>
-                <a:schemeClr val="bg1"/>
-              </a:solidFill>
-            </a:endParaRPr>
-          </a:p>
-        </p:txBody>
-      </p:sp>
     </p:spTree>
     <p:extLst>
       <p:ext uri="{BB962C8B-B14F-4D97-AF65-F5344CB8AC3E}">

--- a/project.pptx
+++ b/project.pptx
@@ -518,7 +518,7 @@
           <a:bodyPr/>
           <a:lstStyle/>
           <a:p>
-            <a:endParaRPr lang="en-GB" dirty="0"/>
+            <a:endParaRPr lang="en-US" dirty="0"/>
           </a:p>
         </p:txBody>
       </p:sp>
@@ -529,7 +529,7 @@
             <a:spLocks noGrp="1"/>
           </p:cNvSpPr>
           <p:nvPr>
-            <p:ph type="sldNum" sz="quarter" idx="10"/>
+            <p:ph type="sldNum" sz="quarter" idx="5"/>
           </p:nvPr>
         </p:nvSpPr>
         <p:spPr/>
@@ -539,7 +539,7 @@
           <a:p>
             <a:fld id="{1183EEE5-C3E1-403B-A9C9-6FC9389FEEB7}" type="slidenum">
               <a:rPr lang="en-GB" smtClean="0"/>
-              <a:t>2</a:t>
+              <a:t>1</a:t>
             </a:fld>
             <a:endParaRPr lang="en-GB" dirty="0"/>
           </a:p>
@@ -548,7 +548,7 @@
     </p:spTree>
     <p:extLst>
       <p:ext uri="{BB962C8B-B14F-4D97-AF65-F5344CB8AC3E}">
-        <p14:creationId xmlns:p14="http://schemas.microsoft.com/office/powerpoint/2010/main" val="4110419239"/>
+        <p14:creationId xmlns:p14="http://schemas.microsoft.com/office/powerpoint/2010/main" val="268061599"/>
       </p:ext>
     </p:extLst>
   </p:cSld>
@@ -602,58 +602,6 @@
           <a:bodyPr/>
           <a:lstStyle/>
           <a:p>
-            <a:r>
-              <a:rPr lang="it-IT" dirty="0"/>
-              <a:t>Career </a:t>
-            </a:r>
-            <a:r>
-              <a:rPr lang="it-IT" dirty="0" err="1"/>
-              <a:t>choices</a:t>
-            </a:r>
-            <a:r>
-              <a:rPr lang="it-IT" dirty="0"/>
-              <a:t> agents can make </a:t>
-            </a:r>
-            <a:r>
-              <a:rPr lang="it-IT" dirty="0" err="1"/>
-              <a:t>if</a:t>
-            </a:r>
-            <a:r>
-              <a:rPr lang="it-IT" dirty="0"/>
-              <a:t> </a:t>
-            </a:r>
-            <a:r>
-              <a:rPr lang="it-IT" dirty="0" err="1"/>
-              <a:t>they</a:t>
-            </a:r>
-            <a:r>
-              <a:rPr lang="it-IT" dirty="0"/>
-              <a:t> are </a:t>
-            </a:r>
-            <a:r>
-              <a:rPr lang="it-IT" dirty="0" err="1"/>
-              <a:t>forward</a:t>
-            </a:r>
-            <a:r>
-              <a:rPr lang="it-IT" dirty="0"/>
-              <a:t> </a:t>
-            </a:r>
-            <a:r>
-              <a:rPr lang="it-IT" dirty="0" err="1"/>
-              <a:t>looking</a:t>
-            </a:r>
-            <a:r>
-              <a:rPr lang="it-IT" dirty="0"/>
-              <a:t> / anticipate a future </a:t>
-            </a:r>
-            <a:r>
-              <a:rPr lang="it-IT" dirty="0" err="1"/>
-              <a:t>driven</a:t>
-            </a:r>
-            <a:r>
-              <a:rPr lang="it-IT" dirty="0"/>
-              <a:t> by Automation </a:t>
-            </a:r>
             <a:endParaRPr lang="en-GB" dirty="0"/>
           </a:p>
         </p:txBody>
@@ -675,7 +623,7 @@
           <a:p>
             <a:fld id="{1183EEE5-C3E1-403B-A9C9-6FC9389FEEB7}" type="slidenum">
               <a:rPr lang="en-GB" smtClean="0"/>
-              <a:t>3</a:t>
+              <a:t>2</a:t>
             </a:fld>
             <a:endParaRPr lang="en-GB" dirty="0"/>
           </a:p>
@@ -684,7 +632,7 @@
     </p:spTree>
     <p:extLst>
       <p:ext uri="{BB962C8B-B14F-4D97-AF65-F5344CB8AC3E}">
-        <p14:creationId xmlns:p14="http://schemas.microsoft.com/office/powerpoint/2010/main" val="3440693878"/>
+        <p14:creationId xmlns:p14="http://schemas.microsoft.com/office/powerpoint/2010/main" val="4110419239"/>
       </p:ext>
     </p:extLst>
   </p:cSld>
@@ -739,20 +687,24 @@
           <a:lstStyle/>
           <a:p>
             <a:r>
+              <a:rPr lang="it-IT" dirty="0"/>
+              <a:t>Career </a:t>
+            </a:r>
+            <a:r>
               <a:rPr lang="it-IT" dirty="0" err="1"/>
-              <a:t>Proditble</a:t>
+              <a:t>choices</a:t>
             </a:r>
             <a:r>
               <a:rPr lang="it-IT" dirty="0"/>
-              <a:t> in the </a:t>
+              <a:t> agents can make </a:t>
             </a:r>
             <a:r>
               <a:rPr lang="it-IT" dirty="0" err="1"/>
-              <a:t>longterm</a:t>
+              <a:t>if</a:t>
             </a:r>
             <a:r>
               <a:rPr lang="it-IT" dirty="0"/>
-              <a:t>, </a:t>
+              <a:t> </a:t>
             </a:r>
             <a:r>
               <a:rPr lang="it-IT" dirty="0" err="1"/>
@@ -760,11 +712,11 @@
             </a:r>
             <a:r>
               <a:rPr lang="it-IT" dirty="0"/>
-              <a:t> </a:t>
+              <a:t> are </a:t>
             </a:r>
             <a:r>
               <a:rPr lang="it-IT" dirty="0" err="1"/>
-              <a:t>can’t</a:t>
+              <a:t>forward</a:t>
             </a:r>
             <a:r>
               <a:rPr lang="it-IT" dirty="0"/>
@@ -772,15 +724,19 @@
             </a:r>
             <a:r>
               <a:rPr lang="it-IT" dirty="0" err="1"/>
-              <a:t>afford</a:t>
+              <a:t>looking</a:t>
             </a:r>
             <a:r>
               <a:rPr lang="it-IT" dirty="0"/>
-              <a:t> </a:t>
-            </a:r>
-            <a:r>
-              <a:rPr lang="it-IT"/>
-              <a:t>it</a:t>
+              <a:t> / anticipate a future </a:t>
+            </a:r>
+            <a:r>
+              <a:rPr lang="it-IT" dirty="0" err="1"/>
+              <a:t>driven</a:t>
+            </a:r>
+            <a:r>
+              <a:rPr lang="it-IT" dirty="0"/>
+              <a:t> by Automation </a:t>
             </a:r>
             <a:endParaRPr lang="en-GB" dirty="0"/>
           </a:p>
@@ -803,7 +759,7 @@
           <a:p>
             <a:fld id="{1183EEE5-C3E1-403B-A9C9-6FC9389FEEB7}" type="slidenum">
               <a:rPr lang="en-GB" smtClean="0"/>
-              <a:t>4</a:t>
+              <a:t>3</a:t>
             </a:fld>
             <a:endParaRPr lang="en-GB" dirty="0"/>
           </a:p>
@@ -812,7 +768,7 @@
     </p:spTree>
     <p:extLst>
       <p:ext uri="{BB962C8B-B14F-4D97-AF65-F5344CB8AC3E}">
-        <p14:creationId xmlns:p14="http://schemas.microsoft.com/office/powerpoint/2010/main" val="3243727223"/>
+        <p14:creationId xmlns:p14="http://schemas.microsoft.com/office/powerpoint/2010/main" val="3440693878"/>
       </p:ext>
     </p:extLst>
   </p:cSld>
@@ -907,7 +863,7 @@
               <a:t> </a:t>
             </a:r>
             <a:r>
-              <a:rPr lang="it-IT"/>
+              <a:rPr lang="it-IT" dirty="0" err="1"/>
               <a:t>it</a:t>
             </a:r>
             <a:endParaRPr lang="en-GB" dirty="0"/>
@@ -931,7 +887,7 @@
           <a:p>
             <a:fld id="{1183EEE5-C3E1-403B-A9C9-6FC9389FEEB7}" type="slidenum">
               <a:rPr lang="en-GB" smtClean="0"/>
-              <a:t>5</a:t>
+              <a:t>4</a:t>
             </a:fld>
             <a:endParaRPr lang="en-GB" dirty="0"/>
           </a:p>
@@ -940,7 +896,7 @@
     </p:spTree>
     <p:extLst>
       <p:ext uri="{BB962C8B-B14F-4D97-AF65-F5344CB8AC3E}">
-        <p14:creationId xmlns:p14="http://schemas.microsoft.com/office/powerpoint/2010/main" val="1717286651"/>
+        <p14:creationId xmlns:p14="http://schemas.microsoft.com/office/powerpoint/2010/main" val="3243727223"/>
       </p:ext>
     </p:extLst>
   </p:cSld>
@@ -994,50 +950,207 @@
           <a:bodyPr/>
           <a:lstStyle/>
           <a:p>
-            <a:r>
-              <a:rPr lang="it-IT" dirty="0" err="1"/>
-              <a:t>Proditble</a:t>
-            </a:r>
-            <a:r>
-              <a:rPr lang="it-IT" dirty="0"/>
-              <a:t> in the </a:t>
-            </a:r>
-            <a:r>
-              <a:rPr lang="it-IT" dirty="0" err="1"/>
-              <a:t>longterm</a:t>
-            </a:r>
-            <a:r>
-              <a:rPr lang="it-IT" dirty="0"/>
-              <a:t>, </a:t>
-            </a:r>
-            <a:r>
-              <a:rPr lang="it-IT" dirty="0" err="1"/>
-              <a:t>they</a:t>
-            </a:r>
-            <a:r>
-              <a:rPr lang="it-IT" dirty="0"/>
-              <a:t> </a:t>
-            </a:r>
-            <a:r>
-              <a:rPr lang="it-IT" dirty="0" err="1"/>
-              <a:t>can’t</a:t>
-            </a:r>
-            <a:r>
-              <a:rPr lang="it-IT" dirty="0"/>
-              <a:t> </a:t>
-            </a:r>
-            <a:r>
-              <a:rPr lang="it-IT" dirty="0" err="1"/>
-              <a:t>afford</a:t>
-            </a:r>
-            <a:r>
-              <a:rPr lang="it-IT" dirty="0"/>
-              <a:t> </a:t>
-            </a:r>
-            <a:r>
-              <a:rPr lang="it-IT"/>
-              <a:t>it</a:t>
-            </a:r>
+            <a:pPr rtl="0"/>
+            <a:r>
+              <a:rPr lang="en-US" sz="1200" b="0" i="0" u="none" strike="noStrike" kern="1200" dirty="0">
+                <a:solidFill>
+                  <a:schemeClr val="tx1"/>
+                </a:solidFill>
+                <a:effectLst/>
+                <a:latin typeface="+mn-lt"/>
+                <a:ea typeface="+mn-ea"/>
+                <a:cs typeface="+mn-cs"/>
+              </a:rPr>
+              <a:t>A customer and a seller transact a product at a specific timestamp. We want to record every time they transact and the specific price they transact the product at. </a:t>
+            </a:r>
+          </a:p>
+          <a:p>
+            <a:pPr rtl="0"/>
+            <a:endParaRPr lang="en-US" sz="1200" b="0" i="0" u="none" strike="noStrike" kern="1200" dirty="0">
+              <a:solidFill>
+                <a:schemeClr val="tx1"/>
+              </a:solidFill>
+              <a:effectLst/>
+              <a:latin typeface="+mn-lt"/>
+              <a:ea typeface="+mn-ea"/>
+              <a:cs typeface="+mn-cs"/>
+            </a:endParaRPr>
+          </a:p>
+          <a:p>
+            <a:pPr rtl="0"/>
+            <a:r>
+              <a:rPr lang="en-US" sz="1200" b="0" i="0" u="none" strike="noStrike" kern="1200" dirty="0">
+                <a:solidFill>
+                  <a:schemeClr val="tx1"/>
+                </a:solidFill>
+                <a:effectLst/>
+                <a:latin typeface="+mn-lt"/>
+                <a:ea typeface="+mn-ea"/>
+                <a:cs typeface="+mn-cs"/>
+              </a:rPr>
+              <a:t>The customer has an address, a unique </a:t>
+            </a:r>
+            <a:r>
+              <a:rPr lang="en-US" sz="1200" b="0" i="0" u="none" strike="noStrike" kern="1200" dirty="0" err="1">
+                <a:solidFill>
+                  <a:schemeClr val="tx1"/>
+                </a:solidFill>
+                <a:effectLst/>
+                <a:latin typeface="+mn-lt"/>
+                <a:ea typeface="+mn-ea"/>
+                <a:cs typeface="+mn-cs"/>
+              </a:rPr>
+              <a:t>cid</a:t>
+            </a:r>
+            <a:r>
+              <a:rPr lang="en-US" sz="1200" b="0" i="0" u="none" strike="noStrike" kern="1200" dirty="0">
+                <a:solidFill>
+                  <a:schemeClr val="tx1"/>
+                </a:solidFill>
+                <a:effectLst/>
+                <a:latin typeface="+mn-lt"/>
+                <a:ea typeface="+mn-ea"/>
+                <a:cs typeface="+mn-cs"/>
+              </a:rPr>
+              <a:t>, a name and surname. </a:t>
+            </a:r>
+          </a:p>
+          <a:p>
+            <a:pPr rtl="0"/>
+            <a:endParaRPr lang="en-US" sz="1200" b="0" i="0" u="none" strike="noStrike" kern="1200" dirty="0">
+              <a:solidFill>
+                <a:schemeClr val="tx1"/>
+              </a:solidFill>
+              <a:effectLst/>
+              <a:latin typeface="+mn-lt"/>
+              <a:ea typeface="+mn-ea"/>
+              <a:cs typeface="+mn-cs"/>
+            </a:endParaRPr>
+          </a:p>
+          <a:p>
+            <a:pPr rtl="0"/>
+            <a:r>
+              <a:rPr lang="en-US" sz="1200" b="0" i="0" u="none" strike="noStrike" kern="1200" dirty="0">
+                <a:solidFill>
+                  <a:schemeClr val="tx1"/>
+                </a:solidFill>
+                <a:effectLst/>
+                <a:latin typeface="+mn-lt"/>
+                <a:ea typeface="+mn-ea"/>
+                <a:cs typeface="+mn-cs"/>
+              </a:rPr>
+              <a:t>The seller has a name, distinct </a:t>
+            </a:r>
+            <a:r>
+              <a:rPr lang="en-US" sz="1200" b="0" i="0" u="none" strike="noStrike" kern="1200" dirty="0" err="1">
+                <a:solidFill>
+                  <a:schemeClr val="tx1"/>
+                </a:solidFill>
+                <a:effectLst/>
+                <a:latin typeface="+mn-lt"/>
+                <a:ea typeface="+mn-ea"/>
+                <a:cs typeface="+mn-cs"/>
+              </a:rPr>
+              <a:t>sid</a:t>
+            </a:r>
+            <a:r>
+              <a:rPr lang="en-US" sz="1200" b="0" i="0" u="none" strike="noStrike" kern="1200" dirty="0">
+                <a:solidFill>
+                  <a:schemeClr val="tx1"/>
+                </a:solidFill>
+                <a:effectLst/>
+                <a:latin typeface="+mn-lt"/>
+                <a:ea typeface="+mn-ea"/>
+                <a:cs typeface="+mn-cs"/>
+              </a:rPr>
+              <a:t>, and country. </a:t>
+            </a:r>
+          </a:p>
+          <a:p>
+            <a:pPr rtl="0"/>
+            <a:endParaRPr lang="en-US" sz="1200" b="0" i="0" u="none" strike="noStrike" kern="1200" dirty="0">
+              <a:solidFill>
+                <a:schemeClr val="tx1"/>
+              </a:solidFill>
+              <a:effectLst/>
+              <a:latin typeface="+mn-lt"/>
+              <a:ea typeface="+mn-ea"/>
+              <a:cs typeface="+mn-cs"/>
+            </a:endParaRPr>
+          </a:p>
+          <a:p>
+            <a:pPr rtl="0"/>
+            <a:r>
+              <a:rPr lang="en-US" sz="1200" b="0" i="0" u="none" strike="noStrike" kern="1200" dirty="0">
+                <a:solidFill>
+                  <a:schemeClr val="tx1"/>
+                </a:solidFill>
+                <a:effectLst/>
+                <a:latin typeface="+mn-lt"/>
+                <a:ea typeface="+mn-ea"/>
+                <a:cs typeface="+mn-cs"/>
+              </a:rPr>
+              <a:t>The product has a serial number, name, description and category. It is produced by one manufacturer with a unique mid and name. Each product, having a unique serial number, must have only one seller and one customer. A product has to be listed by a seller to be recorded in our database. </a:t>
+            </a:r>
+          </a:p>
+          <a:p>
+            <a:pPr rtl="0"/>
+            <a:endParaRPr lang="en-US" sz="1200" b="0" i="0" u="none" strike="noStrike" kern="1200" dirty="0">
+              <a:solidFill>
+                <a:schemeClr val="tx1"/>
+              </a:solidFill>
+              <a:effectLst/>
+              <a:latin typeface="+mn-lt"/>
+              <a:ea typeface="+mn-ea"/>
+              <a:cs typeface="+mn-cs"/>
+            </a:endParaRPr>
+          </a:p>
+          <a:p>
+            <a:pPr rtl="0"/>
+            <a:r>
+              <a:rPr lang="en-US" sz="1200" b="0" i="0" u="none" strike="noStrike" kern="1200" dirty="0">
+                <a:solidFill>
+                  <a:schemeClr val="tx1"/>
+                </a:solidFill>
+                <a:effectLst/>
+                <a:latin typeface="+mn-lt"/>
+                <a:ea typeface="+mn-ea"/>
+                <a:cs typeface="+mn-cs"/>
+              </a:rPr>
+              <a:t>A seller manages an inventory that has an </a:t>
+            </a:r>
+            <a:r>
+              <a:rPr lang="en-US" sz="1200" b="0" i="0" u="none" strike="noStrike" kern="1200" dirty="0" err="1">
+                <a:solidFill>
+                  <a:schemeClr val="tx1"/>
+                </a:solidFill>
+                <a:effectLst/>
+                <a:latin typeface="+mn-lt"/>
+                <a:ea typeface="+mn-ea"/>
+                <a:cs typeface="+mn-cs"/>
+              </a:rPr>
+              <a:t>iid</a:t>
+            </a:r>
+            <a:r>
+              <a:rPr lang="en-US" sz="1200" b="0" i="0" u="none" strike="noStrike" kern="1200" dirty="0">
+                <a:solidFill>
+                  <a:schemeClr val="tx1"/>
+                </a:solidFill>
+                <a:effectLst/>
+                <a:latin typeface="+mn-lt"/>
+                <a:ea typeface="+mn-ea"/>
+                <a:cs typeface="+mn-cs"/>
+              </a:rPr>
+              <a:t> and tracks the product quantity. Sellers store the product they want to sell in warehouses. The warehouses have a distinct name, and they also have an address, capacity and number of items stored.</a:t>
+            </a:r>
+          </a:p>
+          <a:p>
+            <a:br>
+              <a:rPr lang="en-US" dirty="0"/>
+            </a:br>
+            <a:br>
+              <a:rPr lang="en-US" dirty="0"/>
+            </a:br>
             <a:endParaRPr lang="en-GB" dirty="0"/>
           </a:p>
         </p:txBody>
@@ -1059,7 +1172,7 @@
           <a:p>
             <a:fld id="{1183EEE5-C3E1-403B-A9C9-6FC9389FEEB7}" type="slidenum">
               <a:rPr lang="en-GB" smtClean="0"/>
-              <a:t>6</a:t>
+              <a:t>5</a:t>
             </a:fld>
             <a:endParaRPr lang="en-GB" dirty="0"/>
           </a:p>
@@ -1068,7 +1181,7 @@
     </p:spTree>
     <p:extLst>
       <p:ext uri="{BB962C8B-B14F-4D97-AF65-F5344CB8AC3E}">
-        <p14:creationId xmlns:p14="http://schemas.microsoft.com/office/powerpoint/2010/main" val="2137397852"/>
+        <p14:creationId xmlns:p14="http://schemas.microsoft.com/office/powerpoint/2010/main" val="1717286651"/>
       </p:ext>
     </p:extLst>
   </p:cSld>
@@ -1187,7 +1300,7 @@
           <a:p>
             <a:fld id="{1183EEE5-C3E1-403B-A9C9-6FC9389FEEB7}" type="slidenum">
               <a:rPr lang="en-GB" smtClean="0"/>
-              <a:t>7</a:t>
+              <a:t>6</a:t>
             </a:fld>
             <a:endParaRPr lang="en-GB" dirty="0"/>
           </a:p>
@@ -1196,7 +1309,7 @@
     </p:spTree>
     <p:extLst>
       <p:ext uri="{BB962C8B-B14F-4D97-AF65-F5344CB8AC3E}">
-        <p14:creationId xmlns:p14="http://schemas.microsoft.com/office/powerpoint/2010/main" val="3662147989"/>
+        <p14:creationId xmlns:p14="http://schemas.microsoft.com/office/powerpoint/2010/main" val="2137397852"/>
       </p:ext>
     </p:extLst>
   </p:cSld>
@@ -1315,6 +1428,134 @@
           <a:p>
             <a:fld id="{1183EEE5-C3E1-403B-A9C9-6FC9389FEEB7}" type="slidenum">
               <a:rPr lang="en-GB" smtClean="0"/>
+              <a:t>7</a:t>
+            </a:fld>
+            <a:endParaRPr lang="en-GB" dirty="0"/>
+          </a:p>
+        </p:txBody>
+      </p:sp>
+    </p:spTree>
+    <p:extLst>
+      <p:ext uri="{BB962C8B-B14F-4D97-AF65-F5344CB8AC3E}">
+        <p14:creationId xmlns:p14="http://schemas.microsoft.com/office/powerpoint/2010/main" val="3662147989"/>
+      </p:ext>
+    </p:extLst>
+  </p:cSld>
+  <p:clrMapOvr>
+    <a:masterClrMapping/>
+  </p:clrMapOvr>
+</p:notes>
+</file>
+
+<file path=ppt/notesSlides/notesSlide8.xml><?xml version="1.0" encoding="utf-8"?>
+<p:notes xmlns:a="http://schemas.openxmlformats.org/drawingml/2006/main" xmlns:r="http://schemas.openxmlformats.org/officeDocument/2006/relationships" xmlns:p="http://schemas.openxmlformats.org/presentationml/2006/main">
+  <p:cSld>
+    <p:spTree>
+      <p:nvGrpSpPr>
+        <p:cNvPr id="1" name=""/>
+        <p:cNvGrpSpPr/>
+        <p:nvPr/>
+      </p:nvGrpSpPr>
+      <p:grpSpPr>
+        <a:xfrm>
+          <a:off x="0" y="0"/>
+          <a:ext cx="0" cy="0"/>
+          <a:chOff x="0" y="0"/>
+          <a:chExt cx="0" cy="0"/>
+        </a:xfrm>
+      </p:grpSpPr>
+      <p:sp>
+        <p:nvSpPr>
+          <p:cNvPr id="2" name="Slide Image Placeholder 1"/>
+          <p:cNvSpPr>
+            <a:spLocks noGrp="1" noRot="1" noChangeAspect="1"/>
+          </p:cNvSpPr>
+          <p:nvPr>
+            <p:ph type="sldImg"/>
+          </p:nvPr>
+        </p:nvSpPr>
+        <p:spPr/>
+      </p:sp>
+      <p:sp>
+        <p:nvSpPr>
+          <p:cNvPr id="3" name="Notes Placeholder 2"/>
+          <p:cNvSpPr>
+            <a:spLocks noGrp="1"/>
+          </p:cNvSpPr>
+          <p:nvPr>
+            <p:ph type="body" idx="1"/>
+          </p:nvPr>
+        </p:nvSpPr>
+        <p:spPr/>
+        <p:txBody>
+          <a:bodyPr/>
+          <a:lstStyle/>
+          <a:p>
+            <a:r>
+              <a:rPr lang="it-IT" dirty="0" err="1"/>
+              <a:t>Proditble</a:t>
+            </a:r>
+            <a:r>
+              <a:rPr lang="it-IT" dirty="0"/>
+              <a:t> in the </a:t>
+            </a:r>
+            <a:r>
+              <a:rPr lang="it-IT" dirty="0" err="1"/>
+              <a:t>longterm</a:t>
+            </a:r>
+            <a:r>
+              <a:rPr lang="it-IT" dirty="0"/>
+              <a:t>, </a:t>
+            </a:r>
+            <a:r>
+              <a:rPr lang="it-IT" dirty="0" err="1"/>
+              <a:t>they</a:t>
+            </a:r>
+            <a:r>
+              <a:rPr lang="it-IT" dirty="0"/>
+              <a:t> </a:t>
+            </a:r>
+            <a:r>
+              <a:rPr lang="it-IT" dirty="0" err="1"/>
+              <a:t>can’t</a:t>
+            </a:r>
+            <a:r>
+              <a:rPr lang="it-IT" dirty="0"/>
+              <a:t> </a:t>
+            </a:r>
+            <a:r>
+              <a:rPr lang="it-IT" dirty="0" err="1"/>
+              <a:t>afford</a:t>
+            </a:r>
+            <a:r>
+              <a:rPr lang="it-IT" dirty="0"/>
+              <a:t> </a:t>
+            </a:r>
+            <a:r>
+              <a:rPr lang="it-IT"/>
+              <a:t>it</a:t>
+            </a:r>
+            <a:endParaRPr lang="en-GB" dirty="0"/>
+          </a:p>
+        </p:txBody>
+      </p:sp>
+      <p:sp>
+        <p:nvSpPr>
+          <p:cNvPr id="4" name="Slide Number Placeholder 3"/>
+          <p:cNvSpPr>
+            <a:spLocks noGrp="1"/>
+          </p:cNvSpPr>
+          <p:nvPr>
+            <p:ph type="sldNum" sz="quarter" idx="10"/>
+          </p:nvPr>
+        </p:nvSpPr>
+        <p:spPr/>
+        <p:txBody>
+          <a:bodyPr/>
+          <a:lstStyle/>
+          <a:p>
+            <a:fld id="{1183EEE5-C3E1-403B-A9C9-6FC9389FEEB7}" type="slidenum">
+              <a:rPr lang="en-GB" smtClean="0"/>
               <a:t>8</a:t>
             </a:fld>
             <a:endParaRPr lang="en-GB" dirty="0"/>
@@ -1334,7 +1575,7 @@
 </p:notes>
 </file>
 
-<file path=ppt/notesSlides/notesSlide8.xml><?xml version="1.0" encoding="utf-8"?>
+<file path=ppt/notesSlides/notesSlide9.xml><?xml version="1.0" encoding="utf-8"?>
 <p:notes xmlns:a="http://schemas.openxmlformats.org/drawingml/2006/main" xmlns:r="http://schemas.openxmlformats.org/officeDocument/2006/relationships" xmlns:p="http://schemas.openxmlformats.org/presentationml/2006/main">
   <p:cSld>
     <p:spTree>
@@ -4395,7 +4636,7 @@
           <p:nvPr/>
         </p:nvPicPr>
         <p:blipFill>
-          <a:blip r:embed="rId2">
+          <a:blip r:embed="rId3">
             <a:extLst>
               <a:ext uri="{28A0092B-C50C-407E-A947-70E740481C1C}">
                 <a14:useLocalDpi xmlns:a14="http://schemas.microsoft.com/office/drawing/2010/main" val="0"/>
@@ -4638,7 +4879,7 @@
           <p:nvPr/>
         </p:nvPicPr>
         <p:blipFill>
-          <a:blip r:embed="rId3">
+          <a:blip r:embed="rId4">
             <a:extLst>
               <a:ext uri="{28A0092B-C50C-407E-A947-70E740481C1C}">
                 <a14:useLocalDpi xmlns:a14="http://schemas.microsoft.com/office/drawing/2010/main" val="0"/>
@@ -5559,10 +5800,10 @@
       </p:pic>
       <p:pic>
         <p:nvPicPr>
-          <p:cNvPr id="3" name="Picture 2">
+          <p:cNvPr id="1028" name="Picture 4">
             <a:extLst>
               <a:ext uri="{FF2B5EF4-FFF2-40B4-BE49-F238E27FC236}">
-                <a16:creationId xmlns:a16="http://schemas.microsoft.com/office/drawing/2014/main" id="{3D672967-D5D0-2347-B54B-76D588EAA9B1}"/>
+                <a16:creationId xmlns:a16="http://schemas.microsoft.com/office/drawing/2014/main" id="{9A6E75DC-9305-844B-8C00-3EFE538F6DD4}"/>
               </a:ext>
             </a:extLst>
           </p:cNvPr>
@@ -5586,8 +5827,8 @@
         </p:blipFill>
         <p:spPr bwMode="auto">
           <a:xfrm>
-            <a:off x="5219142" y="86139"/>
-            <a:ext cx="6865246" cy="6685722"/>
+            <a:off x="4581556" y="161818"/>
+            <a:ext cx="6715874" cy="6534364"/>
           </a:xfrm>
           <a:prstGeom prst="rect">
             <a:avLst/>
@@ -5848,10 +6089,10 @@
       </p:sp>
       <p:pic>
         <p:nvPicPr>
-          <p:cNvPr id="7" name="Picture 6">
+          <p:cNvPr id="8" name="Picture 4">
             <a:extLst>
               <a:ext uri="{FF2B5EF4-FFF2-40B4-BE49-F238E27FC236}">
-                <a16:creationId xmlns:a16="http://schemas.microsoft.com/office/drawing/2014/main" id="{2DC343C7-D466-5B40-ACEB-F01CC06D698E}"/>
+                <a16:creationId xmlns:a16="http://schemas.microsoft.com/office/drawing/2014/main" id="{6125B9EC-F2A3-EE41-ABB0-106E1F4366BD}"/>
               </a:ext>
             </a:extLst>
           </p:cNvPr>
@@ -5875,8 +6116,8 @@
         </p:blipFill>
         <p:spPr bwMode="auto">
           <a:xfrm>
-            <a:off x="5219142" y="86139"/>
-            <a:ext cx="6865246" cy="6685722"/>
+            <a:off x="5092995" y="399093"/>
+            <a:ext cx="6190817" cy="6068861"/>
           </a:xfrm>
           <a:prstGeom prst="rect">
             <a:avLst/>
